--- a/ML_intro/intro ML.pptx
+++ b/ML_intro/intro ML.pptx
@@ -7920,7 +7920,7 @@
         <p:spPr>
           <a:xfrm>
             <a:off x="4814935" y="1366024"/>
-            <a:ext cx="3162900" cy="1509900"/>
+            <a:ext cx="3162900" cy="1853298"/>
           </a:xfrm>
           <a:prstGeom prst="rect">
             <a:avLst/>
@@ -7949,10 +7949,10 @@
               <a:buNone/>
             </a:pPr>
             <a:r>
-              <a:rPr lang="en" b="1"/>
+              <a:rPr lang="en" b="1" dirty="0"/>
               <a:t>For Data Preparation</a:t>
             </a:r>
-            <a:endParaRPr b="1"/>
+            <a:endParaRPr b="1" dirty="0"/>
           </a:p>
           <a:p>
             <a:pPr marL="457200" marR="0" lvl="0" indent="-317500" algn="l" rtl="0">
@@ -7972,10 +7972,10 @@
               <a:buAutoNum type="arabicPeriod"/>
             </a:pPr>
             <a:r>
-              <a:rPr lang="en"/>
+              <a:rPr lang="en" dirty="0"/>
               <a:t>Pandas</a:t>
             </a:r>
-            <a:endParaRPr/>
+            <a:endParaRPr dirty="0"/>
           </a:p>
           <a:p>
             <a:pPr marL="457200" marR="0" lvl="0" indent="-317500" algn="l" rtl="0">
@@ -7992,10 +7992,10 @@
               <a:buAutoNum type="arabicPeriod"/>
             </a:pPr>
             <a:r>
-              <a:rPr lang="en"/>
+              <a:rPr lang="en" dirty="0"/>
               <a:t>Numpy</a:t>
             </a:r>
-            <a:endParaRPr/>
+            <a:endParaRPr dirty="0"/>
           </a:p>
           <a:p>
             <a:pPr marL="457200" marR="0" lvl="0" indent="-317500" algn="l" rtl="0">
@@ -8012,10 +8012,10 @@
               <a:buAutoNum type="arabicPeriod"/>
             </a:pPr>
             <a:r>
-              <a:rPr lang="en"/>
+              <a:rPr lang="en" dirty="0"/>
               <a:t>OpenCV</a:t>
             </a:r>
-            <a:endParaRPr/>
+            <a:endParaRPr dirty="0"/>
           </a:p>
           <a:p>
             <a:pPr marL="457200" marR="0" lvl="0" indent="-317500" algn="l" rtl="0">
@@ -8032,10 +8032,29 @@
               <a:buAutoNum type="arabicPeriod"/>
             </a:pPr>
             <a:r>
-              <a:rPr lang="en"/>
+              <a:rPr lang="en" dirty="0"/>
               <a:t>Scipy</a:t>
             </a:r>
-            <a:endParaRPr/>
+          </a:p>
+          <a:p>
+            <a:pPr marL="457200" marR="0" lvl="0" indent="-317500" algn="l" rtl="0">
+              <a:lnSpc>
+                <a:spcPct val="100000"/>
+              </a:lnSpc>
+              <a:spcBef>
+                <a:spcPts val="0"/>
+              </a:spcBef>
+              <a:spcAft>
+                <a:spcPts val="0"/>
+              </a:spcAft>
+              <a:buSzPts val="1400"/>
+              <a:buAutoNum type="arabicPeriod"/>
+            </a:pPr>
+            <a:r>
+              <a:rPr lang="en" dirty="0"/>
+              <a:t>pyspark</a:t>
+            </a:r>
+            <a:endParaRPr dirty="0"/>
           </a:p>
           <a:p>
             <a:pPr marL="457200" marR="0" lvl="0" indent="0" algn="l" rtl="0">
@@ -8050,7 +8069,7 @@
               </a:spcAft>
               <a:buNone/>
             </a:pPr>
-            <a:endParaRPr/>
+            <a:endParaRPr dirty="0"/>
           </a:p>
         </p:txBody>
       </p:sp>
@@ -8852,10 +8871,10 @@
               <a:buChar char="−"/>
             </a:pPr>
             <a:r>
-              <a:rPr lang="en" sz="1000"/>
+              <a:rPr lang="en" sz="1000" dirty="0"/>
               <a:t>Customer classification </a:t>
             </a:r>
-            <a:endParaRPr sz="1000"/>
+            <a:endParaRPr sz="1000" dirty="0"/>
           </a:p>
           <a:p>
             <a:pPr marL="355600" marR="0" lvl="0" indent="-318135" algn="l" rtl="0">
@@ -8872,10 +8891,10 @@
               <a:buChar char="−"/>
             </a:pPr>
             <a:r>
-              <a:rPr lang="en" sz="1000"/>
+              <a:rPr lang="en" sz="1000" dirty="0"/>
               <a:t>Sentiment analysis</a:t>
             </a:r>
-            <a:endParaRPr sz="1000"/>
+            <a:endParaRPr sz="1000" dirty="0"/>
           </a:p>
           <a:p>
             <a:pPr marL="355600" marR="0" lvl="0" indent="-318135" algn="l" rtl="0">
@@ -8892,10 +8911,10 @@
               <a:buChar char="−"/>
             </a:pPr>
             <a:r>
-              <a:rPr lang="en" sz="1000"/>
+              <a:rPr lang="en" sz="1000" dirty="0"/>
               <a:t>Product recommendation</a:t>
             </a:r>
-            <a:endParaRPr sz="1000"/>
+            <a:endParaRPr sz="1000" dirty="0"/>
           </a:p>
         </p:txBody>
       </p:sp>
